--- a/Presentation1.pptx
+++ b/Presentation1.pptx
@@ -20,7 +20,11 @@
     <p:sldId id="268" r:id="rId14"/>
     <p:sldId id="269" r:id="rId15"/>
     <p:sldId id="270" r:id="rId16"/>
-    <p:sldId id="267" r:id="rId17"/>
+    <p:sldId id="272" r:id="rId17"/>
+    <p:sldId id="273" r:id="rId18"/>
+    <p:sldId id="274" r:id="rId19"/>
+    <p:sldId id="275" r:id="rId20"/>
+    <p:sldId id="267" r:id="rId21"/>
   </p:sldIdLst>
   <p:sldSz cx="12192000" cy="6858000"/>
   <p:notesSz cx="6858000" cy="9144000"/>
@@ -4557,7 +4561,7 @@
           <a:p>
             <a:fld id="{1A8857FC-7A97-42AB-99A3-4BD7C215B416}" type="datetimeFigureOut">
               <a:rPr lang="en-US" smtClean="0"/>
-              <a:t>9/26/2022</a:t>
+              <a:t>10/3/2022</a:t>
             </a:fld>
             <a:endParaRPr lang="en-US"/>
           </a:p>
@@ -4808,7 +4812,7 @@
           <a:p>
             <a:fld id="{1A8857FC-7A97-42AB-99A3-4BD7C215B416}" type="datetimeFigureOut">
               <a:rPr lang="en-US" smtClean="0"/>
-              <a:t>9/26/2022</a:t>
+              <a:t>10/3/2022</a:t>
             </a:fld>
             <a:endParaRPr lang="en-US"/>
           </a:p>
@@ -5122,7 +5126,7 @@
           <a:p>
             <a:fld id="{1A8857FC-7A97-42AB-99A3-4BD7C215B416}" type="datetimeFigureOut">
               <a:rPr lang="en-US" smtClean="0"/>
-              <a:t>9/26/2022</a:t>
+              <a:t>10/3/2022</a:t>
             </a:fld>
             <a:endParaRPr lang="en-US"/>
           </a:p>
@@ -5455,7 +5459,7 @@
           <a:p>
             <a:fld id="{1A8857FC-7A97-42AB-99A3-4BD7C215B416}" type="datetimeFigureOut">
               <a:rPr lang="en-US" smtClean="0"/>
-              <a:t>9/26/2022</a:t>
+              <a:t>10/3/2022</a:t>
             </a:fld>
             <a:endParaRPr lang="en-US"/>
           </a:p>
@@ -5769,7 +5773,7 @@
           <a:p>
             <a:fld id="{1A8857FC-7A97-42AB-99A3-4BD7C215B416}" type="datetimeFigureOut">
               <a:rPr lang="en-US" smtClean="0"/>
-              <a:t>9/26/2022</a:t>
+              <a:t>10/3/2022</a:t>
             </a:fld>
             <a:endParaRPr lang="en-US"/>
           </a:p>
@@ -6162,7 +6166,7 @@
           <a:p>
             <a:fld id="{1A8857FC-7A97-42AB-99A3-4BD7C215B416}" type="datetimeFigureOut">
               <a:rPr lang="en-US" smtClean="0"/>
-              <a:t>9/26/2022</a:t>
+              <a:t>10/3/2022</a:t>
             </a:fld>
             <a:endParaRPr lang="en-US"/>
           </a:p>
@@ -6332,7 +6336,7 @@
           <a:p>
             <a:fld id="{1A8857FC-7A97-42AB-99A3-4BD7C215B416}" type="datetimeFigureOut">
               <a:rPr lang="en-US" smtClean="0"/>
-              <a:t>9/26/2022</a:t>
+              <a:t>10/3/2022</a:t>
             </a:fld>
             <a:endParaRPr lang="en-US"/>
           </a:p>
@@ -6512,7 +6516,7 @@
           <a:p>
             <a:fld id="{1A8857FC-7A97-42AB-99A3-4BD7C215B416}" type="datetimeFigureOut">
               <a:rPr lang="en-US" smtClean="0"/>
-              <a:t>9/26/2022</a:t>
+              <a:t>10/3/2022</a:t>
             </a:fld>
             <a:endParaRPr lang="en-US"/>
           </a:p>
@@ -6682,7 +6686,7 @@
           <a:p>
             <a:fld id="{1A8857FC-7A97-42AB-99A3-4BD7C215B416}" type="datetimeFigureOut">
               <a:rPr lang="en-US" smtClean="0"/>
-              <a:t>9/26/2022</a:t>
+              <a:t>10/3/2022</a:t>
             </a:fld>
             <a:endParaRPr lang="en-US"/>
           </a:p>
@@ -6929,7 +6933,7 @@
           <a:p>
             <a:fld id="{1A8857FC-7A97-42AB-99A3-4BD7C215B416}" type="datetimeFigureOut">
               <a:rPr lang="en-US" smtClean="0"/>
-              <a:t>9/26/2022</a:t>
+              <a:t>10/3/2022</a:t>
             </a:fld>
             <a:endParaRPr lang="en-US"/>
           </a:p>
@@ -7161,7 +7165,7 @@
           <a:p>
             <a:fld id="{1A8857FC-7A97-42AB-99A3-4BD7C215B416}" type="datetimeFigureOut">
               <a:rPr lang="en-US" smtClean="0"/>
-              <a:t>9/26/2022</a:t>
+              <a:t>10/3/2022</a:t>
             </a:fld>
             <a:endParaRPr lang="en-US"/>
           </a:p>
@@ -7535,7 +7539,7 @@
           <a:p>
             <a:fld id="{1A8857FC-7A97-42AB-99A3-4BD7C215B416}" type="datetimeFigureOut">
               <a:rPr lang="en-US" smtClean="0"/>
-              <a:t>9/26/2022</a:t>
+              <a:t>10/3/2022</a:t>
             </a:fld>
             <a:endParaRPr lang="en-US"/>
           </a:p>
@@ -7658,7 +7662,7 @@
           <a:p>
             <a:fld id="{1A8857FC-7A97-42AB-99A3-4BD7C215B416}" type="datetimeFigureOut">
               <a:rPr lang="en-US" smtClean="0"/>
-              <a:t>9/26/2022</a:t>
+              <a:t>10/3/2022</a:t>
             </a:fld>
             <a:endParaRPr lang="en-US"/>
           </a:p>
@@ -7753,7 +7757,7 @@
           <a:p>
             <a:fld id="{1A8857FC-7A97-42AB-99A3-4BD7C215B416}" type="datetimeFigureOut">
               <a:rPr lang="en-US" smtClean="0"/>
-              <a:t>9/26/2022</a:t>
+              <a:t>10/3/2022</a:t>
             </a:fld>
             <a:endParaRPr lang="en-US"/>
           </a:p>
@@ -8008,7 +8012,7 @@
           <a:p>
             <a:fld id="{1A8857FC-7A97-42AB-99A3-4BD7C215B416}" type="datetimeFigureOut">
               <a:rPr lang="en-US" smtClean="0"/>
-              <a:t>9/26/2022</a:t>
+              <a:t>10/3/2022</a:t>
             </a:fld>
             <a:endParaRPr lang="en-US"/>
           </a:p>
@@ -8313,7 +8317,7 @@
           <a:p>
             <a:fld id="{1A8857FC-7A97-42AB-99A3-4BD7C215B416}" type="datetimeFigureOut">
               <a:rPr lang="en-US" smtClean="0"/>
-              <a:t>9/26/2022</a:t>
+              <a:t>10/3/2022</a:t>
             </a:fld>
             <a:endParaRPr lang="en-US"/>
           </a:p>
@@ -9015,7 +9019,7 @@
           <a:p>
             <a:fld id="{1A8857FC-7A97-42AB-99A3-4BD7C215B416}" type="datetimeFigureOut">
               <a:rPr lang="en-US" smtClean="0"/>
-              <a:t>9/26/2022</a:t>
+              <a:t>10/3/2022</a:t>
             </a:fld>
             <a:endParaRPr lang="en-US"/>
           </a:p>
@@ -10051,7 +10055,13 @@
             </a:r>
             <a:r>
               <a:rPr lang="en-US" sz="2800" dirty="0"/>
-              <a:t> create-react-app “app name” </a:t>
+              <a:t> create-react-app “app name”</a:t>
+            </a:r>
+          </a:p>
+          <a:p>
+            <a:r>
+              <a:rPr lang="en-US" sz="2800" dirty="0"/>
+              <a:t>Explain files and directory  </a:t>
             </a:r>
           </a:p>
         </p:txBody>
@@ -10358,7 +10368,12 @@
             <p:ph idx="1"/>
           </p:nvPr>
         </p:nvSpPr>
-        <p:spPr/>
+        <p:spPr>
+          <a:xfrm>
+            <a:off x="677334" y="1693864"/>
+            <a:ext cx="8596668" cy="3554411"/>
+          </a:xfrm>
+        </p:spPr>
         <p:txBody>
           <a:bodyPr/>
           <a:lstStyle/>
@@ -10402,7 +10417,7 @@
                 </a:solidFill>
                 <a:latin typeface="-apple-system"/>
               </a:rPr>
-              <a:t>using inside (if , loop, variable)</a:t>
+              <a:t>using inside (loop, variable)</a:t>
             </a:r>
           </a:p>
           <a:p>
@@ -10480,7 +10495,7 @@
           <p:cNvPr id="2" name="Title 1">
             <a:extLst>
               <a:ext uri="{FF2B5EF4-FFF2-40B4-BE49-F238E27FC236}">
-                <a16:creationId xmlns:a16="http://schemas.microsoft.com/office/drawing/2014/main" id="{F40DCA43-38BE-408B-AAEB-3952E9A6E15C}"/>
+                <a16:creationId xmlns:a16="http://schemas.microsoft.com/office/drawing/2014/main" id="{3BE08515-580F-4A05-A449-A93081114B30}"/>
               </a:ext>
             </a:extLst>
           </p:cNvPr>
@@ -10498,7 +10513,7 @@
           <a:p>
             <a:r>
               <a:rPr lang="en-US" dirty="0"/>
-              <a:t>Build and Webpack </a:t>
+              <a:t>React Component in Practice </a:t>
             </a:r>
           </a:p>
         </p:txBody>
@@ -10508,7 +10523,7 @@
           <p:cNvPr id="3" name="Content Placeholder 2">
             <a:extLst>
               <a:ext uri="{FF2B5EF4-FFF2-40B4-BE49-F238E27FC236}">
-                <a16:creationId xmlns:a16="http://schemas.microsoft.com/office/drawing/2014/main" id="{B25F7256-3A7B-47E1-88D0-6B939BFAEE74}"/>
+                <a16:creationId xmlns:a16="http://schemas.microsoft.com/office/drawing/2014/main" id="{B4164E6D-55E7-486F-8D1A-42C1845B2E41}"/>
               </a:ext>
             </a:extLst>
           </p:cNvPr>
@@ -10526,13 +10541,31 @@
           <a:p>
             <a:r>
               <a:rPr lang="en-US" dirty="0"/>
-              <a:t>Webpack is a bundler (tool that make a bundle)</a:t>
+              <a:t>Functional component Vs Class Component </a:t>
             </a:r>
           </a:p>
           <a:p>
             <a:r>
               <a:rPr lang="en-US" dirty="0"/>
-              <a:t>The Bundle is a wrap up for your project </a:t>
+              <a:t>Props are the interface for the outer world </a:t>
+            </a:r>
+          </a:p>
+          <a:p>
+            <a:r>
+              <a:rPr lang="en-US" dirty="0"/>
+              <a:t>Props are read only </a:t>
+            </a:r>
+          </a:p>
+          <a:p>
+            <a:r>
+              <a:rPr lang="en-US" dirty="0"/>
+              <a:t>Pure and Impure functions </a:t>
+            </a:r>
+          </a:p>
+          <a:p>
+            <a:r>
+              <a:rPr lang="en-US" dirty="0"/>
+              <a:t>React should treated as pure function with respect to their props </a:t>
             </a:r>
           </a:p>
         </p:txBody>
@@ -10540,7 +10573,581 @@
     </p:spTree>
     <p:extLst>
       <p:ext uri="{BB962C8B-B14F-4D97-AF65-F5344CB8AC3E}">
-        <p14:creationId xmlns:p14="http://schemas.microsoft.com/office/powerpoint/2010/main" val="4119476317"/>
+        <p14:creationId xmlns:p14="http://schemas.microsoft.com/office/powerpoint/2010/main" val="4201731333"/>
+      </p:ext>
+    </p:extLst>
+  </p:cSld>
+  <p:clrMapOvr>
+    <a:masterClrMapping/>
+  </p:clrMapOvr>
+</p:sld>
+</file>
+
+<file path=ppt/slides/slide17.xml><?xml version="1.0" encoding="utf-8"?>
+<p:sld xmlns:a="http://schemas.openxmlformats.org/drawingml/2006/main" xmlns:r="http://schemas.openxmlformats.org/officeDocument/2006/relationships" xmlns:p="http://schemas.openxmlformats.org/presentationml/2006/main">
+  <p:cSld>
+    <p:spTree>
+      <p:nvGrpSpPr>
+        <p:cNvPr id="1" name=""/>
+        <p:cNvGrpSpPr/>
+        <p:nvPr/>
+      </p:nvGrpSpPr>
+      <p:grpSpPr>
+        <a:xfrm>
+          <a:off x="0" y="0"/>
+          <a:ext cx="0" cy="0"/>
+          <a:chOff x="0" y="0"/>
+          <a:chExt cx="0" cy="0"/>
+        </a:xfrm>
+      </p:grpSpPr>
+      <p:sp>
+        <p:nvSpPr>
+          <p:cNvPr id="2" name="Title 1">
+            <a:extLst>
+              <a:ext uri="{FF2B5EF4-FFF2-40B4-BE49-F238E27FC236}">
+                <a16:creationId xmlns:a16="http://schemas.microsoft.com/office/drawing/2014/main" id="{66495DEA-AD47-49AF-81C5-75E39CCEBB93}"/>
+              </a:ext>
+            </a:extLst>
+          </p:cNvPr>
+          <p:cNvSpPr>
+            <a:spLocks noGrp="1"/>
+          </p:cNvSpPr>
+          <p:nvPr>
+            <p:ph type="title"/>
+          </p:nvPr>
+        </p:nvSpPr>
+        <p:spPr/>
+        <p:txBody>
+          <a:bodyPr/>
+          <a:lstStyle/>
+          <a:p>
+            <a:r>
+              <a:rPr lang="en-US" dirty="0"/>
+              <a:t>React life cycle </a:t>
+            </a:r>
+          </a:p>
+        </p:txBody>
+      </p:sp>
+      <p:sp>
+        <p:nvSpPr>
+          <p:cNvPr id="3" name="Content Placeholder 2">
+            <a:extLst>
+              <a:ext uri="{FF2B5EF4-FFF2-40B4-BE49-F238E27FC236}">
+                <a16:creationId xmlns:a16="http://schemas.microsoft.com/office/drawing/2014/main" id="{3A20D389-E6A9-4307-B24C-2E2DF981C596}"/>
+              </a:ext>
+            </a:extLst>
+          </p:cNvPr>
+          <p:cNvSpPr>
+            <a:spLocks noGrp="1"/>
+          </p:cNvSpPr>
+          <p:nvPr>
+            <p:ph idx="1"/>
+          </p:nvPr>
+        </p:nvSpPr>
+        <p:spPr/>
+        <p:txBody>
+          <a:bodyPr/>
+          <a:lstStyle/>
+          <a:p>
+            <a:r>
+              <a:rPr lang="en-US" dirty="0"/>
+              <a:t>Mounting,</a:t>
+            </a:r>
+          </a:p>
+          <a:p>
+            <a:r>
+              <a:rPr lang="en-US" dirty="0"/>
+              <a:t>Updating </a:t>
+            </a:r>
+          </a:p>
+          <a:p>
+            <a:r>
+              <a:rPr lang="en-US" dirty="0"/>
+              <a:t>Unmounting </a:t>
+            </a:r>
+          </a:p>
+          <a:p>
+            <a:pPr marL="0" indent="0">
+              <a:buNone/>
+            </a:pPr>
+            <a:endParaRPr lang="en-US" dirty="0"/>
+          </a:p>
+        </p:txBody>
+      </p:sp>
+    </p:spTree>
+    <p:extLst>
+      <p:ext uri="{BB962C8B-B14F-4D97-AF65-F5344CB8AC3E}">
+        <p14:creationId xmlns:p14="http://schemas.microsoft.com/office/powerpoint/2010/main" val="2987691649"/>
+      </p:ext>
+    </p:extLst>
+  </p:cSld>
+  <p:clrMapOvr>
+    <a:masterClrMapping/>
+  </p:clrMapOvr>
+</p:sld>
+</file>
+
+<file path=ppt/slides/slide18.xml><?xml version="1.0" encoding="utf-8"?>
+<p:sld xmlns:a="http://schemas.openxmlformats.org/drawingml/2006/main" xmlns:r="http://schemas.openxmlformats.org/officeDocument/2006/relationships" xmlns:p="http://schemas.openxmlformats.org/presentationml/2006/main">
+  <p:cSld>
+    <p:spTree>
+      <p:nvGrpSpPr>
+        <p:cNvPr id="1" name=""/>
+        <p:cNvGrpSpPr/>
+        <p:nvPr/>
+      </p:nvGrpSpPr>
+      <p:grpSpPr>
+        <a:xfrm>
+          <a:off x="0" y="0"/>
+          <a:ext cx="0" cy="0"/>
+          <a:chOff x="0" y="0"/>
+          <a:chExt cx="0" cy="0"/>
+        </a:xfrm>
+      </p:grpSpPr>
+      <p:sp>
+        <p:nvSpPr>
+          <p:cNvPr id="2" name="Title 1">
+            <a:extLst>
+              <a:ext uri="{FF2B5EF4-FFF2-40B4-BE49-F238E27FC236}">
+                <a16:creationId xmlns:a16="http://schemas.microsoft.com/office/drawing/2014/main" id="{D9A63D35-8DCA-40BB-8927-9A95F93834F5}"/>
+              </a:ext>
+            </a:extLst>
+          </p:cNvPr>
+          <p:cNvSpPr>
+            <a:spLocks noGrp="1"/>
+          </p:cNvSpPr>
+          <p:nvPr>
+            <p:ph type="title"/>
+          </p:nvPr>
+        </p:nvSpPr>
+        <p:spPr/>
+        <p:txBody>
+          <a:bodyPr/>
+          <a:lstStyle/>
+          <a:p>
+            <a:r>
+              <a:rPr lang="en-US" dirty="0"/>
+              <a:t>Mounting </a:t>
+            </a:r>
+          </a:p>
+        </p:txBody>
+      </p:sp>
+      <p:sp>
+        <p:nvSpPr>
+          <p:cNvPr id="3" name="Content Placeholder 2">
+            <a:extLst>
+              <a:ext uri="{FF2B5EF4-FFF2-40B4-BE49-F238E27FC236}">
+                <a16:creationId xmlns:a16="http://schemas.microsoft.com/office/drawing/2014/main" id="{654C4F84-F719-4D64-8884-07A7FEF3D484}"/>
+              </a:ext>
+            </a:extLst>
+          </p:cNvPr>
+          <p:cNvSpPr>
+            <a:spLocks noGrp="1"/>
+          </p:cNvSpPr>
+          <p:nvPr>
+            <p:ph idx="1"/>
+          </p:nvPr>
+        </p:nvSpPr>
+        <p:spPr/>
+        <p:txBody>
+          <a:bodyPr>
+            <a:normAutofit lnSpcReduction="10000"/>
+          </a:bodyPr>
+          <a:lstStyle/>
+          <a:p>
+            <a:r>
+              <a:rPr lang="en-US" b="0" i="0" dirty="0">
+                <a:solidFill>
+                  <a:srgbClr val="000000"/>
+                </a:solidFill>
+                <a:effectLst/>
+                <a:latin typeface="-apple-system"/>
+              </a:rPr>
+              <a:t>when an instance of a component is being created and inserted into the DOM</a:t>
+            </a:r>
+          </a:p>
+          <a:p>
+            <a:endParaRPr lang="en-US" dirty="0">
+              <a:solidFill>
+                <a:srgbClr val="000000"/>
+              </a:solidFill>
+              <a:latin typeface="-apple-system"/>
+            </a:endParaRPr>
+          </a:p>
+          <a:p>
+            <a:r>
+              <a:rPr lang="en-US" dirty="0">
+                <a:solidFill>
+                  <a:srgbClr val="000000"/>
+                </a:solidFill>
+                <a:latin typeface="-apple-system"/>
+              </a:rPr>
+              <a:t>Functions will be fire in Mounting: </a:t>
+            </a:r>
+            <a:br>
+              <a:rPr lang="en-US" dirty="0">
+                <a:solidFill>
+                  <a:srgbClr val="000000"/>
+                </a:solidFill>
+                <a:latin typeface="-apple-system"/>
+              </a:rPr>
+            </a:br>
+            <a:r>
+              <a:rPr lang="en-US" dirty="0">
+                <a:solidFill>
+                  <a:srgbClr val="000000"/>
+                </a:solidFill>
+                <a:latin typeface="-apple-system"/>
+              </a:rPr>
+              <a:t>1. Constructor </a:t>
+            </a:r>
+            <a:br>
+              <a:rPr lang="en-US" dirty="0">
+                <a:solidFill>
+                  <a:srgbClr val="000000"/>
+                </a:solidFill>
+                <a:latin typeface="-apple-system"/>
+              </a:rPr>
+            </a:br>
+            <a:r>
+              <a:rPr lang="en-US" dirty="0">
+                <a:solidFill>
+                  <a:srgbClr val="000000"/>
+                </a:solidFill>
+                <a:latin typeface="-apple-system"/>
+              </a:rPr>
+              <a:t>	  used for binding method, and initialize state</a:t>
+            </a:r>
+            <a:br>
+              <a:rPr lang="en-US" dirty="0">
+                <a:solidFill>
+                  <a:srgbClr val="000000"/>
+                </a:solidFill>
+                <a:latin typeface="-apple-system"/>
+              </a:rPr>
+            </a:br>
+            <a:r>
+              <a:rPr lang="en-US" dirty="0">
+                <a:solidFill>
+                  <a:srgbClr val="000000"/>
+                </a:solidFill>
+                <a:latin typeface="-apple-system"/>
+              </a:rPr>
+              <a:t>	  should call super </a:t>
+            </a:r>
+            <a:br>
+              <a:rPr lang="en-US" dirty="0">
+                <a:solidFill>
+                  <a:srgbClr val="000000"/>
+                </a:solidFill>
+                <a:latin typeface="-apple-system"/>
+              </a:rPr>
+            </a:br>
+            <a:r>
+              <a:rPr lang="en-US" dirty="0">
+                <a:solidFill>
+                  <a:srgbClr val="000000"/>
+                </a:solidFill>
+                <a:latin typeface="-apple-system"/>
+              </a:rPr>
+              <a:t>2. render </a:t>
+            </a:r>
+            <a:br>
+              <a:rPr lang="en-US" dirty="0">
+                <a:solidFill>
+                  <a:srgbClr val="000000"/>
+                </a:solidFill>
+                <a:latin typeface="-apple-system"/>
+              </a:rPr>
+            </a:br>
+            <a:r>
+              <a:rPr lang="en-US" dirty="0">
+                <a:solidFill>
+                  <a:srgbClr val="000000"/>
+                </a:solidFill>
+                <a:latin typeface="-apple-system"/>
+              </a:rPr>
+              <a:t>     contain all </a:t>
+            </a:r>
+            <a:r>
+              <a:rPr lang="en-US" dirty="0" err="1">
+                <a:solidFill>
+                  <a:srgbClr val="000000"/>
+                </a:solidFill>
+                <a:latin typeface="-apple-system"/>
+              </a:rPr>
+              <a:t>jsx</a:t>
+            </a:r>
+            <a:r>
+              <a:rPr lang="en-US" dirty="0">
+                <a:solidFill>
+                  <a:srgbClr val="000000"/>
+                </a:solidFill>
+                <a:latin typeface="-apple-system"/>
+              </a:rPr>
+              <a:t> that should be rendered </a:t>
+            </a:r>
+            <a:br>
+              <a:rPr lang="en-US" dirty="0">
+                <a:solidFill>
+                  <a:srgbClr val="000000"/>
+                </a:solidFill>
+                <a:latin typeface="-apple-system"/>
+              </a:rPr>
+            </a:br>
+            <a:r>
+              <a:rPr lang="en-US" dirty="0">
+                <a:solidFill>
+                  <a:srgbClr val="000000"/>
+                </a:solidFill>
+                <a:latin typeface="-apple-system"/>
+              </a:rPr>
+              <a:t>     do not change the state inside it </a:t>
+            </a:r>
+            <a:br>
+              <a:rPr lang="en-US" dirty="0">
+                <a:solidFill>
+                  <a:srgbClr val="000000"/>
+                </a:solidFill>
+                <a:latin typeface="-apple-system"/>
+              </a:rPr>
+            </a:br>
+            <a:r>
+              <a:rPr lang="en-US" dirty="0">
+                <a:solidFill>
+                  <a:srgbClr val="000000"/>
+                </a:solidFill>
+                <a:latin typeface="-apple-system"/>
+              </a:rPr>
+              <a:t>3. </a:t>
+            </a:r>
+            <a:r>
+              <a:rPr lang="en-US" dirty="0" err="1">
+                <a:solidFill>
+                  <a:srgbClr val="000000"/>
+                </a:solidFill>
+                <a:latin typeface="-apple-system"/>
+              </a:rPr>
+              <a:t>ComponentDidMount</a:t>
+            </a:r>
+            <a:r>
+              <a:rPr lang="en-US" dirty="0">
+                <a:solidFill>
+                  <a:srgbClr val="000000"/>
+                </a:solidFill>
+                <a:latin typeface="-apple-system"/>
+              </a:rPr>
+              <a:t> </a:t>
+            </a:r>
+            <a:br>
+              <a:rPr lang="en-US" dirty="0">
+                <a:solidFill>
+                  <a:srgbClr val="000000"/>
+                </a:solidFill>
+                <a:latin typeface="-apple-system"/>
+              </a:rPr>
+            </a:br>
+            <a:r>
+              <a:rPr lang="en-US" dirty="0">
+                <a:solidFill>
+                  <a:srgbClr val="000000"/>
+                </a:solidFill>
+                <a:latin typeface="-apple-system"/>
+              </a:rPr>
+              <a:t>     will be called after element mounted and inserted to the real Dom</a:t>
+            </a:r>
+            <a:br>
+              <a:rPr lang="en-US" dirty="0">
+                <a:solidFill>
+                  <a:srgbClr val="000000"/>
+                </a:solidFill>
+                <a:latin typeface="-apple-system"/>
+              </a:rPr>
+            </a:br>
+            <a:r>
+              <a:rPr lang="en-US" dirty="0">
+                <a:solidFill>
+                  <a:srgbClr val="000000"/>
+                </a:solidFill>
+                <a:latin typeface="-apple-system"/>
+              </a:rPr>
+              <a:t>      update state it will make render execute twice </a:t>
+            </a:r>
+          </a:p>
+          <a:p>
+            <a:r>
+              <a:rPr lang="en-US" dirty="0">
+                <a:solidFill>
+                  <a:srgbClr val="000000"/>
+                </a:solidFill>
+                <a:latin typeface="-apple-system"/>
+              </a:rPr>
+              <a:t>Practical </a:t>
+            </a:r>
+            <a:r>
+              <a:rPr lang="en-US" dirty="0" err="1">
+                <a:solidFill>
+                  <a:srgbClr val="000000"/>
+                </a:solidFill>
+                <a:latin typeface="-apple-system"/>
+              </a:rPr>
+              <a:t>Exampple</a:t>
+            </a:r>
+            <a:r>
+              <a:rPr lang="en-US" dirty="0">
+                <a:solidFill>
+                  <a:srgbClr val="000000"/>
+                </a:solidFill>
+                <a:latin typeface="-apple-system"/>
+              </a:rPr>
+              <a:t>: </a:t>
+            </a:r>
+          </a:p>
+          <a:p>
+            <a:endParaRPr lang="en-US" dirty="0">
+              <a:solidFill>
+                <a:srgbClr val="000000"/>
+              </a:solidFill>
+              <a:latin typeface="-apple-system"/>
+            </a:endParaRPr>
+          </a:p>
+          <a:p>
+            <a:endParaRPr lang="en-US" dirty="0">
+              <a:solidFill>
+                <a:srgbClr val="000000"/>
+              </a:solidFill>
+              <a:latin typeface="-apple-system"/>
+            </a:endParaRPr>
+          </a:p>
+        </p:txBody>
+      </p:sp>
+    </p:spTree>
+    <p:extLst>
+      <p:ext uri="{BB962C8B-B14F-4D97-AF65-F5344CB8AC3E}">
+        <p14:creationId xmlns:p14="http://schemas.microsoft.com/office/powerpoint/2010/main" val="2757521733"/>
+      </p:ext>
+    </p:extLst>
+  </p:cSld>
+  <p:clrMapOvr>
+    <a:masterClrMapping/>
+  </p:clrMapOvr>
+</p:sld>
+</file>
+
+<file path=ppt/slides/slide19.xml><?xml version="1.0" encoding="utf-8"?>
+<p:sld xmlns:a="http://schemas.openxmlformats.org/drawingml/2006/main" xmlns:r="http://schemas.openxmlformats.org/officeDocument/2006/relationships" xmlns:p="http://schemas.openxmlformats.org/presentationml/2006/main">
+  <p:cSld>
+    <p:spTree>
+      <p:nvGrpSpPr>
+        <p:cNvPr id="1" name=""/>
+        <p:cNvGrpSpPr/>
+        <p:nvPr/>
+      </p:nvGrpSpPr>
+      <p:grpSpPr>
+        <a:xfrm>
+          <a:off x="0" y="0"/>
+          <a:ext cx="0" cy="0"/>
+          <a:chOff x="0" y="0"/>
+          <a:chExt cx="0" cy="0"/>
+        </a:xfrm>
+      </p:grpSpPr>
+      <p:sp>
+        <p:nvSpPr>
+          <p:cNvPr id="2" name="Title 1">
+            <a:extLst>
+              <a:ext uri="{FF2B5EF4-FFF2-40B4-BE49-F238E27FC236}">
+                <a16:creationId xmlns:a16="http://schemas.microsoft.com/office/drawing/2014/main" id="{B854558C-F812-48D9-A8B0-6ABFB285AFA3}"/>
+              </a:ext>
+            </a:extLst>
+          </p:cNvPr>
+          <p:cNvSpPr>
+            <a:spLocks noGrp="1"/>
+          </p:cNvSpPr>
+          <p:nvPr>
+            <p:ph type="title"/>
+          </p:nvPr>
+        </p:nvSpPr>
+        <p:spPr/>
+        <p:txBody>
+          <a:bodyPr/>
+          <a:lstStyle/>
+          <a:p>
+            <a:r>
+              <a:rPr lang="en-US" dirty="0"/>
+              <a:t>Updating Phase 		</a:t>
+            </a:r>
+          </a:p>
+        </p:txBody>
+      </p:sp>
+      <p:sp>
+        <p:nvSpPr>
+          <p:cNvPr id="3" name="Content Placeholder 2">
+            <a:extLst>
+              <a:ext uri="{FF2B5EF4-FFF2-40B4-BE49-F238E27FC236}">
+                <a16:creationId xmlns:a16="http://schemas.microsoft.com/office/drawing/2014/main" id="{9B270E51-E908-4C4F-BA9C-956C97217555}"/>
+              </a:ext>
+            </a:extLst>
+          </p:cNvPr>
+          <p:cNvSpPr>
+            <a:spLocks noGrp="1"/>
+          </p:cNvSpPr>
+          <p:nvPr>
+            <p:ph idx="1"/>
+          </p:nvPr>
+        </p:nvSpPr>
+        <p:spPr/>
+        <p:txBody>
+          <a:bodyPr/>
+          <a:lstStyle/>
+          <a:p>
+            <a:r>
+              <a:rPr lang="en-US" dirty="0" err="1"/>
+              <a:t>ConponeentDidUpdate</a:t>
+            </a:r>
+            <a:r>
+              <a:rPr lang="en-US" dirty="0"/>
+              <a:t>:</a:t>
+            </a:r>
+            <a:br>
+              <a:rPr lang="en-US" dirty="0"/>
+            </a:br>
+            <a:r>
+              <a:rPr lang="en-US" dirty="0"/>
+              <a:t>called when the component updated (state has been changed, or Re-rendered)</a:t>
+            </a:r>
+            <a:br>
+              <a:rPr lang="en-US" dirty="0"/>
+            </a:br>
+            <a:r>
+              <a:rPr lang="en-US" dirty="0"/>
+              <a:t>do not change the state inside it without </a:t>
+            </a:r>
+            <a:r>
+              <a:rPr lang="en-US" dirty="0" err="1"/>
+              <a:t>condion</a:t>
+            </a:r>
+            <a:endParaRPr lang="en-US" dirty="0"/>
+          </a:p>
+          <a:p>
+            <a:r>
+              <a:rPr lang="en-US" dirty="0" err="1"/>
+              <a:t>componentWillReceiveProps</a:t>
+            </a:r>
+            <a:r>
+              <a:rPr lang="en-US" dirty="0"/>
+              <a:t> (Deprecated)</a:t>
+            </a:r>
+            <a:br>
+              <a:rPr lang="en-US" dirty="0"/>
+            </a:br>
+            <a:endParaRPr lang="en-US" dirty="0"/>
+          </a:p>
+        </p:txBody>
+      </p:sp>
+    </p:spTree>
+    <p:extLst>
+      <p:ext uri="{BB962C8B-B14F-4D97-AF65-F5344CB8AC3E}">
+        <p14:creationId xmlns:p14="http://schemas.microsoft.com/office/powerpoint/2010/main" val="3309141296"/>
       </p:ext>
     </p:extLst>
   </p:cSld>
@@ -10678,6 +11285,98 @@
     <p:extLst>
       <p:ext uri="{BB962C8B-B14F-4D97-AF65-F5344CB8AC3E}">
         <p14:creationId xmlns:p14="http://schemas.microsoft.com/office/powerpoint/2010/main" val="3941520591"/>
+      </p:ext>
+    </p:extLst>
+  </p:cSld>
+  <p:clrMapOvr>
+    <a:masterClrMapping/>
+  </p:clrMapOvr>
+</p:sld>
+</file>
+
+<file path=ppt/slides/slide20.xml><?xml version="1.0" encoding="utf-8"?>
+<p:sld xmlns:a="http://schemas.openxmlformats.org/drawingml/2006/main" xmlns:r="http://schemas.openxmlformats.org/officeDocument/2006/relationships" xmlns:p="http://schemas.openxmlformats.org/presentationml/2006/main">
+  <p:cSld>
+    <p:spTree>
+      <p:nvGrpSpPr>
+        <p:cNvPr id="1" name=""/>
+        <p:cNvGrpSpPr/>
+        <p:nvPr/>
+      </p:nvGrpSpPr>
+      <p:grpSpPr>
+        <a:xfrm>
+          <a:off x="0" y="0"/>
+          <a:ext cx="0" cy="0"/>
+          <a:chOff x="0" y="0"/>
+          <a:chExt cx="0" cy="0"/>
+        </a:xfrm>
+      </p:grpSpPr>
+      <p:sp>
+        <p:nvSpPr>
+          <p:cNvPr id="2" name="Title 1">
+            <a:extLst>
+              <a:ext uri="{FF2B5EF4-FFF2-40B4-BE49-F238E27FC236}">
+                <a16:creationId xmlns:a16="http://schemas.microsoft.com/office/drawing/2014/main" id="{F40DCA43-38BE-408B-AAEB-3952E9A6E15C}"/>
+              </a:ext>
+            </a:extLst>
+          </p:cNvPr>
+          <p:cNvSpPr>
+            <a:spLocks noGrp="1"/>
+          </p:cNvSpPr>
+          <p:nvPr>
+            <p:ph type="title"/>
+          </p:nvPr>
+        </p:nvSpPr>
+        <p:spPr/>
+        <p:txBody>
+          <a:bodyPr/>
+          <a:lstStyle/>
+          <a:p>
+            <a:r>
+              <a:rPr lang="en-US" dirty="0"/>
+              <a:t>Build and Webpack </a:t>
+            </a:r>
+          </a:p>
+        </p:txBody>
+      </p:sp>
+      <p:sp>
+        <p:nvSpPr>
+          <p:cNvPr id="3" name="Content Placeholder 2">
+            <a:extLst>
+              <a:ext uri="{FF2B5EF4-FFF2-40B4-BE49-F238E27FC236}">
+                <a16:creationId xmlns:a16="http://schemas.microsoft.com/office/drawing/2014/main" id="{B25F7256-3A7B-47E1-88D0-6B939BFAEE74}"/>
+              </a:ext>
+            </a:extLst>
+          </p:cNvPr>
+          <p:cNvSpPr>
+            <a:spLocks noGrp="1"/>
+          </p:cNvSpPr>
+          <p:nvPr>
+            <p:ph idx="1"/>
+          </p:nvPr>
+        </p:nvSpPr>
+        <p:spPr/>
+        <p:txBody>
+          <a:bodyPr/>
+          <a:lstStyle/>
+          <a:p>
+            <a:r>
+              <a:rPr lang="en-US" dirty="0"/>
+              <a:t>Webpack is a bundler (tool that make a bundle)</a:t>
+            </a:r>
+          </a:p>
+          <a:p>
+            <a:r>
+              <a:rPr lang="en-US" dirty="0"/>
+              <a:t>The Bundle is a wrap up for your project </a:t>
+            </a:r>
+          </a:p>
+        </p:txBody>
+      </p:sp>
+    </p:spTree>
+    <p:extLst>
+      <p:ext uri="{BB962C8B-B14F-4D97-AF65-F5344CB8AC3E}">
+        <p14:creationId xmlns:p14="http://schemas.microsoft.com/office/powerpoint/2010/main" val="4119476317"/>
       </p:ext>
     </p:extLst>
   </p:cSld>

--- a/Presentation1.pptx
+++ b/Presentation1.pptx
@@ -24,7 +24,8 @@
     <p:sldId id="273" r:id="rId18"/>
     <p:sldId id="274" r:id="rId19"/>
     <p:sldId id="275" r:id="rId20"/>
-    <p:sldId id="267" r:id="rId21"/>
+    <p:sldId id="276" r:id="rId21"/>
+    <p:sldId id="267" r:id="rId22"/>
   </p:sldIdLst>
   <p:sldSz cx="12192000" cy="6858000"/>
   <p:notesSz cx="6858000" cy="9144000"/>
@@ -4561,7 +4562,7 @@
           <a:p>
             <a:fld id="{1A8857FC-7A97-42AB-99A3-4BD7C215B416}" type="datetimeFigureOut">
               <a:rPr lang="en-US" smtClean="0"/>
-              <a:t>10/3/2022</a:t>
+              <a:t>10/5/2022</a:t>
             </a:fld>
             <a:endParaRPr lang="en-US"/>
           </a:p>
@@ -4812,7 +4813,7 @@
           <a:p>
             <a:fld id="{1A8857FC-7A97-42AB-99A3-4BD7C215B416}" type="datetimeFigureOut">
               <a:rPr lang="en-US" smtClean="0"/>
-              <a:t>10/3/2022</a:t>
+              <a:t>10/5/2022</a:t>
             </a:fld>
             <a:endParaRPr lang="en-US"/>
           </a:p>
@@ -5126,7 +5127,7 @@
           <a:p>
             <a:fld id="{1A8857FC-7A97-42AB-99A3-4BD7C215B416}" type="datetimeFigureOut">
               <a:rPr lang="en-US" smtClean="0"/>
-              <a:t>10/3/2022</a:t>
+              <a:t>10/5/2022</a:t>
             </a:fld>
             <a:endParaRPr lang="en-US"/>
           </a:p>
@@ -5459,7 +5460,7 @@
           <a:p>
             <a:fld id="{1A8857FC-7A97-42AB-99A3-4BD7C215B416}" type="datetimeFigureOut">
               <a:rPr lang="en-US" smtClean="0"/>
-              <a:t>10/3/2022</a:t>
+              <a:t>10/5/2022</a:t>
             </a:fld>
             <a:endParaRPr lang="en-US"/>
           </a:p>
@@ -5773,7 +5774,7 @@
           <a:p>
             <a:fld id="{1A8857FC-7A97-42AB-99A3-4BD7C215B416}" type="datetimeFigureOut">
               <a:rPr lang="en-US" smtClean="0"/>
-              <a:t>10/3/2022</a:t>
+              <a:t>10/5/2022</a:t>
             </a:fld>
             <a:endParaRPr lang="en-US"/>
           </a:p>
@@ -6166,7 +6167,7 @@
           <a:p>
             <a:fld id="{1A8857FC-7A97-42AB-99A3-4BD7C215B416}" type="datetimeFigureOut">
               <a:rPr lang="en-US" smtClean="0"/>
-              <a:t>10/3/2022</a:t>
+              <a:t>10/5/2022</a:t>
             </a:fld>
             <a:endParaRPr lang="en-US"/>
           </a:p>
@@ -6336,7 +6337,7 @@
           <a:p>
             <a:fld id="{1A8857FC-7A97-42AB-99A3-4BD7C215B416}" type="datetimeFigureOut">
               <a:rPr lang="en-US" smtClean="0"/>
-              <a:t>10/3/2022</a:t>
+              <a:t>10/5/2022</a:t>
             </a:fld>
             <a:endParaRPr lang="en-US"/>
           </a:p>
@@ -6516,7 +6517,7 @@
           <a:p>
             <a:fld id="{1A8857FC-7A97-42AB-99A3-4BD7C215B416}" type="datetimeFigureOut">
               <a:rPr lang="en-US" smtClean="0"/>
-              <a:t>10/3/2022</a:t>
+              <a:t>10/5/2022</a:t>
             </a:fld>
             <a:endParaRPr lang="en-US"/>
           </a:p>
@@ -6686,7 +6687,7 @@
           <a:p>
             <a:fld id="{1A8857FC-7A97-42AB-99A3-4BD7C215B416}" type="datetimeFigureOut">
               <a:rPr lang="en-US" smtClean="0"/>
-              <a:t>10/3/2022</a:t>
+              <a:t>10/5/2022</a:t>
             </a:fld>
             <a:endParaRPr lang="en-US"/>
           </a:p>
@@ -6933,7 +6934,7 @@
           <a:p>
             <a:fld id="{1A8857FC-7A97-42AB-99A3-4BD7C215B416}" type="datetimeFigureOut">
               <a:rPr lang="en-US" smtClean="0"/>
-              <a:t>10/3/2022</a:t>
+              <a:t>10/5/2022</a:t>
             </a:fld>
             <a:endParaRPr lang="en-US"/>
           </a:p>
@@ -7165,7 +7166,7 @@
           <a:p>
             <a:fld id="{1A8857FC-7A97-42AB-99A3-4BD7C215B416}" type="datetimeFigureOut">
               <a:rPr lang="en-US" smtClean="0"/>
-              <a:t>10/3/2022</a:t>
+              <a:t>10/5/2022</a:t>
             </a:fld>
             <a:endParaRPr lang="en-US"/>
           </a:p>
@@ -7539,7 +7540,7 @@
           <a:p>
             <a:fld id="{1A8857FC-7A97-42AB-99A3-4BD7C215B416}" type="datetimeFigureOut">
               <a:rPr lang="en-US" smtClean="0"/>
-              <a:t>10/3/2022</a:t>
+              <a:t>10/5/2022</a:t>
             </a:fld>
             <a:endParaRPr lang="en-US"/>
           </a:p>
@@ -7662,7 +7663,7 @@
           <a:p>
             <a:fld id="{1A8857FC-7A97-42AB-99A3-4BD7C215B416}" type="datetimeFigureOut">
               <a:rPr lang="en-US" smtClean="0"/>
-              <a:t>10/3/2022</a:t>
+              <a:t>10/5/2022</a:t>
             </a:fld>
             <a:endParaRPr lang="en-US"/>
           </a:p>
@@ -7757,7 +7758,7 @@
           <a:p>
             <a:fld id="{1A8857FC-7A97-42AB-99A3-4BD7C215B416}" type="datetimeFigureOut">
               <a:rPr lang="en-US" smtClean="0"/>
-              <a:t>10/3/2022</a:t>
+              <a:t>10/5/2022</a:t>
             </a:fld>
             <a:endParaRPr lang="en-US"/>
           </a:p>
@@ -8012,7 +8013,7 @@
           <a:p>
             <a:fld id="{1A8857FC-7A97-42AB-99A3-4BD7C215B416}" type="datetimeFigureOut">
               <a:rPr lang="en-US" smtClean="0"/>
-              <a:t>10/3/2022</a:t>
+              <a:t>10/5/2022</a:t>
             </a:fld>
             <a:endParaRPr lang="en-US"/>
           </a:p>
@@ -8317,7 +8318,7 @@
           <a:p>
             <a:fld id="{1A8857FC-7A97-42AB-99A3-4BD7C215B416}" type="datetimeFigureOut">
               <a:rPr lang="en-US" smtClean="0"/>
-              <a:t>10/3/2022</a:t>
+              <a:t>10/5/2022</a:t>
             </a:fld>
             <a:endParaRPr lang="en-US"/>
           </a:p>
@@ -9019,7 +9020,7 @@
           <a:p>
             <a:fld id="{1A8857FC-7A97-42AB-99A3-4BD7C215B416}" type="datetimeFigureOut">
               <a:rPr lang="en-US" smtClean="0"/>
-              <a:t>10/3/2022</a:t>
+              <a:t>10/5/2022</a:t>
             </a:fld>
             <a:endParaRPr lang="en-US"/>
           </a:p>
@@ -10667,6 +10668,18 @@
             </a:r>
           </a:p>
           <a:p>
+            <a:endParaRPr lang="en-US" dirty="0"/>
+          </a:p>
+          <a:p>
+            <a:endParaRPr lang="en-US" dirty="0"/>
+          </a:p>
+          <a:p>
+            <a:r>
+              <a:rPr lang="en-US" dirty="0"/>
+              <a:t>Ref: https://reactjs.org/docs/react-component.html</a:t>
+            </a:r>
+          </a:p>
+          <a:p>
             <a:pPr marL="0" indent="0">
               <a:buNone/>
             </a:pPr>
@@ -11137,6 +11150,12 @@
               <a:rPr lang="en-US" dirty="0"/>
               <a:t> (Deprecated)</a:t>
             </a:r>
+          </a:p>
+          <a:p>
+            <a:r>
+              <a:rPr lang="en-US" dirty="0"/>
+              <a:t>Render </a:t>
+            </a:r>
             <a:br>
               <a:rPr lang="en-US" dirty="0"/>
             </a:br>
@@ -11295,6 +11314,126 @@
 </file>
 
 <file path=ppt/slides/slide20.xml><?xml version="1.0" encoding="utf-8"?>
+<p:sld xmlns:a="http://schemas.openxmlformats.org/drawingml/2006/main" xmlns:r="http://schemas.openxmlformats.org/officeDocument/2006/relationships" xmlns:p="http://schemas.openxmlformats.org/presentationml/2006/main">
+  <p:cSld>
+    <p:spTree>
+      <p:nvGrpSpPr>
+        <p:cNvPr id="1" name=""/>
+        <p:cNvGrpSpPr/>
+        <p:nvPr/>
+      </p:nvGrpSpPr>
+      <p:grpSpPr>
+        <a:xfrm>
+          <a:off x="0" y="0"/>
+          <a:ext cx="0" cy="0"/>
+          <a:chOff x="0" y="0"/>
+          <a:chExt cx="0" cy="0"/>
+        </a:xfrm>
+      </p:grpSpPr>
+      <p:sp>
+        <p:nvSpPr>
+          <p:cNvPr id="2" name="Title 1">
+            <a:extLst>
+              <a:ext uri="{FF2B5EF4-FFF2-40B4-BE49-F238E27FC236}">
+                <a16:creationId xmlns:a16="http://schemas.microsoft.com/office/drawing/2014/main" id="{C125E827-D92C-4CAD-B6FD-C8E8F152DFAC}"/>
+              </a:ext>
+            </a:extLst>
+          </p:cNvPr>
+          <p:cNvSpPr>
+            <a:spLocks noGrp="1"/>
+          </p:cNvSpPr>
+          <p:nvPr>
+            <p:ph type="title"/>
+          </p:nvPr>
+        </p:nvSpPr>
+        <p:spPr/>
+        <p:txBody>
+          <a:bodyPr/>
+          <a:lstStyle/>
+          <a:p>
+            <a:r>
+              <a:rPr lang="en-US" dirty="0" err="1"/>
+              <a:t>setState</a:t>
+            </a:r>
+            <a:endParaRPr lang="en-US" dirty="0"/>
+          </a:p>
+        </p:txBody>
+      </p:sp>
+      <p:sp>
+        <p:nvSpPr>
+          <p:cNvPr id="3" name="Content Placeholder 2">
+            <a:extLst>
+              <a:ext uri="{FF2B5EF4-FFF2-40B4-BE49-F238E27FC236}">
+                <a16:creationId xmlns:a16="http://schemas.microsoft.com/office/drawing/2014/main" id="{E558E544-3CB2-461E-B625-417BBB9CB79C}"/>
+              </a:ext>
+            </a:extLst>
+          </p:cNvPr>
+          <p:cNvSpPr>
+            <a:spLocks noGrp="1"/>
+          </p:cNvSpPr>
+          <p:nvPr>
+            <p:ph idx="1"/>
+          </p:nvPr>
+        </p:nvSpPr>
+        <p:spPr/>
+        <p:txBody>
+          <a:bodyPr/>
+          <a:lstStyle/>
+          <a:p>
+            <a:r>
+              <a:rPr lang="en-US" dirty="0" err="1"/>
+              <a:t>setState</a:t>
+            </a:r>
+            <a:r>
+              <a:rPr lang="en-US" dirty="0"/>
+              <a:t>() is executed within this </a:t>
+            </a:r>
+          </a:p>
+          <a:p>
+            <a:r>
+              <a:rPr lang="en-US" dirty="0" err="1"/>
+              <a:t>setState</a:t>
+            </a:r>
+            <a:r>
+              <a:rPr lang="en-US" dirty="0"/>
+              <a:t>() is executed async </a:t>
+            </a:r>
+          </a:p>
+          <a:p>
+            <a:r>
+              <a:rPr lang="en-US" dirty="0" err="1"/>
+              <a:t>setState</a:t>
+            </a:r>
+            <a:r>
+              <a:rPr lang="en-US" dirty="0"/>
+              <a:t> with call back </a:t>
+            </a:r>
+          </a:p>
+          <a:p>
+            <a:r>
+              <a:rPr lang="en-US" dirty="0"/>
+              <a:t>It makes shallow merge </a:t>
+            </a:r>
+          </a:p>
+          <a:p>
+            <a:endParaRPr lang="en-US" dirty="0"/>
+          </a:p>
+        </p:txBody>
+      </p:sp>
+    </p:spTree>
+    <p:extLst>
+      <p:ext uri="{BB962C8B-B14F-4D97-AF65-F5344CB8AC3E}">
+        <p14:creationId xmlns:p14="http://schemas.microsoft.com/office/powerpoint/2010/main" val="2942626005"/>
+      </p:ext>
+    </p:extLst>
+  </p:cSld>
+  <p:clrMapOvr>
+    <a:masterClrMapping/>
+  </p:clrMapOvr>
+</p:sld>
+</file>
+
+<file path=ppt/slides/slide21.xml><?xml version="1.0" encoding="utf-8"?>
 <p:sld xmlns:a="http://schemas.openxmlformats.org/drawingml/2006/main" xmlns:r="http://schemas.openxmlformats.org/officeDocument/2006/relationships" xmlns:p="http://schemas.openxmlformats.org/presentationml/2006/main">
   <p:cSld>
     <p:spTree>
